--- a/Presentation/ScalaTeam9FinalPresentation.pptx
+++ b/Presentation/ScalaTeam9FinalPresentation.pptx
@@ -23,21 +23,24 @@
     <p:sldId id="268" r:id="rId17"/>
     <p:sldId id="269" r:id="rId18"/>
     <p:sldId id="270" r:id="rId19"/>
+    <p:sldId id="271" r:id="rId20"/>
+    <p:sldId id="272" r:id="rId21"/>
+    <p:sldId id="273" r:id="rId22"/>
   </p:sldIdLst>
   <p:sldSz cy="5143500" cx="9144000"/>
   <p:notesSz cx="6858000" cy="9144000"/>
   <p:embeddedFontLst>
     <p:embeddedFont>
       <p:font typeface="Roboto Slab"/>
-      <p:regular r:id="rId20"/>
-      <p:bold r:id="rId21"/>
+      <p:regular r:id="rId23"/>
+      <p:bold r:id="rId24"/>
     </p:embeddedFont>
     <p:embeddedFont>
       <p:font typeface="Roboto"/>
-      <p:regular r:id="rId22"/>
-      <p:bold r:id="rId23"/>
-      <p:italic r:id="rId24"/>
-      <p:boldItalic r:id="rId25"/>
+      <p:regular r:id="rId25"/>
+      <p:bold r:id="rId26"/>
+      <p:italic r:id="rId27"/>
+      <p:boldItalic r:id="rId28"/>
     </p:embeddedFont>
   </p:embeddedFontLst>
   <p:defaultTextStyle>
@@ -1057,6 +1060,291 @@
           <a:lstStyle/>
           <a:p>
             <a:pPr indent="0" lvl="0" marL="0">
+              <a:spcBef>
+                <a:spcPts val="0"/>
+              </a:spcBef>
+              <a:buNone/>
+            </a:pPr>
+            <a:r>
+              <a:t/>
+            </a:r>
+            <a:endParaRPr/>
+          </a:p>
+        </p:txBody>
+      </p:sp>
+    </p:spTree>
+  </p:cSld>
+  <p:clrMapOvr>
+    <a:masterClrMapping/>
+  </p:clrMapOvr>
+</p:notes>
+</file>
+
+<file path=ppt/notesSlides/notesSlide16.xml><?xml version="1.0" encoding="utf-8"?>
+<p:notes xmlns:a="http://schemas.openxmlformats.org/drawingml/2006/main" xmlns:r="http://schemas.openxmlformats.org/officeDocument/2006/relationships" xmlns:mc="http://schemas.openxmlformats.org/markup-compatibility/2006" xmlns:mv="urn:schemas-microsoft-com:mac:vml" xmlns:p="http://schemas.openxmlformats.org/presentationml/2006/main" xmlns:c="http://schemas.openxmlformats.org/drawingml/2006/chart" xmlns:dgm="http://schemas.openxmlformats.org/drawingml/2006/diagram" xmlns:o="urn:schemas-microsoft-com:office:office" xmlns:v="urn:schemas-microsoft-com:vml" xmlns:pvml="urn:schemas-microsoft-com:office:powerpoint" xmlns:com="http://schemas.openxmlformats.org/drawingml/2006/compatibility" xmlns:p14="http://schemas.microsoft.com/office/powerpoint/2010/main" xmlns:p15="http://schemas.microsoft.com/office/powerpoint/2012/main" showMasterPhAnim="0" showMasterSp="0">
+  <p:cSld>
+    <p:spTree>
+      <p:nvGrpSpPr>
+        <p:cNvPr id="162" name="Shape 162"/>
+        <p:cNvGrpSpPr/>
+        <p:nvPr/>
+      </p:nvGrpSpPr>
+      <p:grpSpPr>
+        <a:xfrm>
+          <a:off x="0" y="0"/>
+          <a:ext cx="0" cy="0"/>
+          <a:chOff x="0" y="0"/>
+          <a:chExt cx="0" cy="0"/>
+        </a:xfrm>
+      </p:grpSpPr>
+      <p:sp>
+        <p:nvSpPr>
+          <p:cNvPr id="163" name="Shape 163"/>
+          <p:cNvSpPr/>
+          <p:nvPr>
+            <p:ph idx="2" type="sldImg"/>
+          </p:nvPr>
+        </p:nvSpPr>
+        <p:spPr>
+          <a:xfrm>
+            <a:off x="381300" y="685800"/>
+            <a:ext cx="6096000" cy="3429000"/>
+          </a:xfrm>
+          <a:custGeom>
+            <a:pathLst>
+              <a:path extrusionOk="0" h="120000" w="120000">
+                <a:moveTo>
+                  <a:pt x="0" y="0"/>
+                </a:moveTo>
+                <a:lnTo>
+                  <a:pt x="120000" y="0"/>
+                </a:lnTo>
+                <a:lnTo>
+                  <a:pt x="120000" y="120000"/>
+                </a:lnTo>
+                <a:lnTo>
+                  <a:pt x="0" y="120000"/>
+                </a:lnTo>
+                <a:close/>
+              </a:path>
+            </a:pathLst>
+          </a:custGeom>
+        </p:spPr>
+      </p:sp>
+      <p:sp>
+        <p:nvSpPr>
+          <p:cNvPr id="164" name="Shape 164"/>
+          <p:cNvSpPr txBox="1"/>
+          <p:nvPr>
+            <p:ph idx="1" type="body"/>
+          </p:nvPr>
+        </p:nvSpPr>
+        <p:spPr>
+          <a:xfrm>
+            <a:off x="685800" y="4343400"/>
+            <a:ext cx="5486400" cy="4114800"/>
+          </a:xfrm>
+          <a:prstGeom prst="rect">
+            <a:avLst/>
+          </a:prstGeom>
+        </p:spPr>
+        <p:txBody>
+          <a:bodyPr anchorCtr="0" anchor="t" bIns="91425" lIns="91425" rIns="91425" wrap="square" tIns="91425">
+            <a:noAutofit/>
+          </a:bodyPr>
+          <a:lstStyle/>
+          <a:p>
+            <a:pPr indent="0" lvl="0" marL="0">
+              <a:spcBef>
+                <a:spcPts val="0"/>
+              </a:spcBef>
+              <a:buNone/>
+            </a:pPr>
+            <a:r>
+              <a:t/>
+            </a:r>
+            <a:endParaRPr/>
+          </a:p>
+        </p:txBody>
+      </p:sp>
+    </p:spTree>
+  </p:cSld>
+  <p:clrMapOvr>
+    <a:masterClrMapping/>
+  </p:clrMapOvr>
+</p:notes>
+</file>
+
+<file path=ppt/notesSlides/notesSlide17.xml><?xml version="1.0" encoding="utf-8"?>
+<p:notes xmlns:a="http://schemas.openxmlformats.org/drawingml/2006/main" xmlns:r="http://schemas.openxmlformats.org/officeDocument/2006/relationships" xmlns:mc="http://schemas.openxmlformats.org/markup-compatibility/2006" xmlns:mv="urn:schemas-microsoft-com:mac:vml" xmlns:p="http://schemas.openxmlformats.org/presentationml/2006/main" xmlns:c="http://schemas.openxmlformats.org/drawingml/2006/chart" xmlns:dgm="http://schemas.openxmlformats.org/drawingml/2006/diagram" xmlns:o="urn:schemas-microsoft-com:office:office" xmlns:v="urn:schemas-microsoft-com:vml" xmlns:pvml="urn:schemas-microsoft-com:office:powerpoint" xmlns:com="http://schemas.openxmlformats.org/drawingml/2006/compatibility" xmlns:p14="http://schemas.microsoft.com/office/powerpoint/2010/main" xmlns:p15="http://schemas.microsoft.com/office/powerpoint/2012/main" showMasterPhAnim="0" showMasterSp="0">
+  <p:cSld>
+    <p:spTree>
+      <p:nvGrpSpPr>
+        <p:cNvPr id="168" name="Shape 168"/>
+        <p:cNvGrpSpPr/>
+        <p:nvPr/>
+      </p:nvGrpSpPr>
+      <p:grpSpPr>
+        <a:xfrm>
+          <a:off x="0" y="0"/>
+          <a:ext cx="0" cy="0"/>
+          <a:chOff x="0" y="0"/>
+          <a:chExt cx="0" cy="0"/>
+        </a:xfrm>
+      </p:grpSpPr>
+      <p:sp>
+        <p:nvSpPr>
+          <p:cNvPr id="169" name="Shape 169"/>
+          <p:cNvSpPr/>
+          <p:nvPr>
+            <p:ph idx="2" type="sldImg"/>
+          </p:nvPr>
+        </p:nvSpPr>
+        <p:spPr>
+          <a:xfrm>
+            <a:off x="381300" y="685800"/>
+            <a:ext cx="6096000" cy="3429000"/>
+          </a:xfrm>
+          <a:custGeom>
+            <a:pathLst>
+              <a:path extrusionOk="0" h="120000" w="120000">
+                <a:moveTo>
+                  <a:pt x="0" y="0"/>
+                </a:moveTo>
+                <a:lnTo>
+                  <a:pt x="120000" y="0"/>
+                </a:lnTo>
+                <a:lnTo>
+                  <a:pt x="120000" y="120000"/>
+                </a:lnTo>
+                <a:lnTo>
+                  <a:pt x="0" y="120000"/>
+                </a:lnTo>
+                <a:close/>
+              </a:path>
+            </a:pathLst>
+          </a:custGeom>
+        </p:spPr>
+      </p:sp>
+      <p:sp>
+        <p:nvSpPr>
+          <p:cNvPr id="170" name="Shape 170"/>
+          <p:cNvSpPr txBox="1"/>
+          <p:nvPr>
+            <p:ph idx="1" type="body"/>
+          </p:nvPr>
+        </p:nvSpPr>
+        <p:spPr>
+          <a:xfrm>
+            <a:off x="685800" y="4343400"/>
+            <a:ext cx="5486400" cy="4114800"/>
+          </a:xfrm>
+          <a:prstGeom prst="rect">
+            <a:avLst/>
+          </a:prstGeom>
+        </p:spPr>
+        <p:txBody>
+          <a:bodyPr anchorCtr="0" anchor="t" bIns="91425" lIns="91425" rIns="91425" wrap="square" tIns="91425">
+            <a:noAutofit/>
+          </a:bodyPr>
+          <a:lstStyle/>
+          <a:p>
+            <a:pPr indent="0" lvl="0" marL="0">
+              <a:spcBef>
+                <a:spcPts val="0"/>
+              </a:spcBef>
+              <a:buNone/>
+            </a:pPr>
+            <a:r>
+              <a:t/>
+            </a:r>
+            <a:endParaRPr/>
+          </a:p>
+        </p:txBody>
+      </p:sp>
+    </p:spTree>
+  </p:cSld>
+  <p:clrMapOvr>
+    <a:masterClrMapping/>
+  </p:clrMapOvr>
+</p:notes>
+</file>
+
+<file path=ppt/notesSlides/notesSlide18.xml><?xml version="1.0" encoding="utf-8"?>
+<p:notes xmlns:a="http://schemas.openxmlformats.org/drawingml/2006/main" xmlns:r="http://schemas.openxmlformats.org/officeDocument/2006/relationships" xmlns:mc="http://schemas.openxmlformats.org/markup-compatibility/2006" xmlns:mv="urn:schemas-microsoft-com:mac:vml" xmlns:p="http://schemas.openxmlformats.org/presentationml/2006/main" xmlns:c="http://schemas.openxmlformats.org/drawingml/2006/chart" xmlns:dgm="http://schemas.openxmlformats.org/drawingml/2006/diagram" xmlns:o="urn:schemas-microsoft-com:office:office" xmlns:v="urn:schemas-microsoft-com:vml" xmlns:pvml="urn:schemas-microsoft-com:office:powerpoint" xmlns:com="http://schemas.openxmlformats.org/drawingml/2006/compatibility" xmlns:p14="http://schemas.microsoft.com/office/powerpoint/2010/main" xmlns:p15="http://schemas.microsoft.com/office/powerpoint/2012/main" showMasterPhAnim="0" showMasterSp="0">
+  <p:cSld>
+    <p:spTree>
+      <p:nvGrpSpPr>
+        <p:cNvPr id="174" name="Shape 174"/>
+        <p:cNvGrpSpPr/>
+        <p:nvPr/>
+      </p:nvGrpSpPr>
+      <p:grpSpPr>
+        <a:xfrm>
+          <a:off x="0" y="0"/>
+          <a:ext cx="0" cy="0"/>
+          <a:chOff x="0" y="0"/>
+          <a:chExt cx="0" cy="0"/>
+        </a:xfrm>
+      </p:grpSpPr>
+      <p:sp>
+        <p:nvSpPr>
+          <p:cNvPr id="175" name="Shape 175"/>
+          <p:cNvSpPr/>
+          <p:nvPr>
+            <p:ph idx="2" type="sldImg"/>
+          </p:nvPr>
+        </p:nvSpPr>
+        <p:spPr>
+          <a:xfrm>
+            <a:off x="381300" y="685800"/>
+            <a:ext cx="6096000" cy="3429000"/>
+          </a:xfrm>
+          <a:custGeom>
+            <a:pathLst>
+              <a:path extrusionOk="0" h="120000" w="120000">
+                <a:moveTo>
+                  <a:pt x="0" y="0"/>
+                </a:moveTo>
+                <a:lnTo>
+                  <a:pt x="120000" y="0"/>
+                </a:lnTo>
+                <a:lnTo>
+                  <a:pt x="120000" y="120000"/>
+                </a:lnTo>
+                <a:lnTo>
+                  <a:pt x="0" y="120000"/>
+                </a:lnTo>
+                <a:close/>
+              </a:path>
+            </a:pathLst>
+          </a:custGeom>
+        </p:spPr>
+      </p:sp>
+      <p:sp>
+        <p:nvSpPr>
+          <p:cNvPr id="176" name="Shape 176"/>
+          <p:cNvSpPr txBox="1"/>
+          <p:nvPr>
+            <p:ph idx="1" type="body"/>
+          </p:nvPr>
+        </p:nvSpPr>
+        <p:spPr>
+          <a:xfrm>
+            <a:off x="685800" y="4343400"/>
+            <a:ext cx="5486400" cy="4114800"/>
+          </a:xfrm>
+          <a:prstGeom prst="rect">
+            <a:avLst/>
+          </a:prstGeom>
+        </p:spPr>
+        <p:txBody>
+          <a:bodyPr anchorCtr="0" anchor="t" bIns="91425" lIns="91425" rIns="91425" wrap="square" tIns="91425">
+            <a:noAutofit/>
+          </a:bodyPr>
+          <a:lstStyle/>
+          <a:p>
+            <a:pPr indent="0" lvl="0" marL="0" rtl="0">
               <a:spcBef>
                 <a:spcPts val="0"/>
               </a:spcBef>
@@ -6313,8 +6601,8 @@
         </p:nvSpPr>
         <p:spPr>
           <a:xfrm>
-            <a:off x="387900" y="1489824"/>
-            <a:ext cx="8368200" cy="3078900"/>
+            <a:off x="387900" y="1263475"/>
+            <a:ext cx="8368200" cy="3745500"/>
           </a:xfrm>
           <a:prstGeom prst="rect">
             <a:avLst/>
@@ -6330,9 +6618,6 @@
               <a:spcBef>
                 <a:spcPts val="0"/>
               </a:spcBef>
-              <a:spcAft>
-                <a:spcPts val="0"/>
-              </a:spcAft>
               <a:buClr>
                 <a:schemeClr val="dk1"/>
               </a:buClr>
@@ -6373,6 +6658,42 @@
             </a:r>
           </a:p>
           <a:p>
+            <a:pPr indent="0" lvl="0" marL="0" rtl="0">
+              <a:spcBef>
+                <a:spcPts val="0"/>
+              </a:spcBef>
+              <a:buNone/>
+            </a:pPr>
+            <a:r>
+              <a:rPr lang="en"/>
+              <a:t>	</a:t>
+            </a:r>
+            <a:r>
+              <a:rPr lang="en"/>
+              <a:t>Actual: 1 day -- </a:t>
+            </a:r>
+            <a:r>
+              <a:rPr b="1" i="1" lang="en"/>
+              <a:t>70%</a:t>
+            </a:r>
+            <a:r>
+              <a:rPr lang="en"/>
+              <a:t>, 1 week -- </a:t>
+            </a:r>
+            <a:r>
+              <a:rPr b="1" i="1" lang="en"/>
+              <a:t>80%</a:t>
+            </a:r>
+            <a:r>
+              <a:rPr lang="en"/>
+              <a:t>, 1 month -- </a:t>
+            </a:r>
+            <a:r>
+              <a:rPr b="1" i="1" lang="en"/>
+              <a:t>90%</a:t>
+            </a:r>
+          </a:p>
+          <a:p>
             <a:pPr indent="-342900" lvl="0" marL="457200" rtl="0">
               <a:spcBef>
                 <a:spcPts val="0"/>
@@ -6421,6 +6742,18 @@
               <a:buNone/>
             </a:pPr>
             <a:r>
+              <a:rPr lang="en"/>
+              <a:t>	Actual: See Zeppelin line chart on next slides</a:t>
+            </a:r>
+          </a:p>
+          <a:p>
+            <a:pPr indent="0" lvl="0" marL="0" rtl="0">
+              <a:spcBef>
+                <a:spcPts val="0"/>
+              </a:spcBef>
+              <a:buNone/>
+            </a:pPr>
+            <a:r>
               <a:t/>
             </a:r>
             <a:endParaRPr/>
@@ -6437,7 +6770,7 @@
         </p:nvSpPr>
         <p:spPr>
           <a:xfrm>
-            <a:off x="387900" y="458025"/>
+            <a:off x="387900" y="498925"/>
             <a:ext cx="8368200" cy="686100"/>
           </a:xfrm>
           <a:prstGeom prst="rect">
@@ -6519,7 +6852,7 @@
             </a:pPr>
             <a:r>
               <a:rPr lang="en"/>
-              <a:t>Apple Inc. </a:t>
+              <a:t>Example: Apple Inc. Criteria for price trend</a:t>
             </a:r>
           </a:p>
         </p:txBody>
@@ -6540,8 +6873,8 @@
         </p:blipFill>
         <p:spPr>
           <a:xfrm>
-            <a:off x="2062287" y="1126237"/>
-            <a:ext cx="5019416" cy="3806075"/>
+            <a:off x="2207550" y="1144125"/>
+            <a:ext cx="4817375" cy="3927276"/>
           </a:xfrm>
           <a:prstGeom prst="rect">
             <a:avLst/>
@@ -6608,7 +6941,7 @@
             </a:pPr>
             <a:r>
               <a:rPr lang="en"/>
-              <a:t>Ebay</a:t>
+              <a:t>Apple Inc. </a:t>
             </a:r>
           </a:p>
         </p:txBody>
@@ -6629,8 +6962,8 @@
         </p:blipFill>
         <p:spPr>
           <a:xfrm>
-            <a:off x="1847753" y="1144125"/>
-            <a:ext cx="5448477" cy="3653674"/>
+            <a:off x="2062287" y="1126237"/>
+            <a:ext cx="5019416" cy="3806075"/>
           </a:xfrm>
           <a:prstGeom prst="rect">
             <a:avLst/>
@@ -6697,7 +7030,7 @@
             </a:pPr>
             <a:r>
               <a:rPr lang="en"/>
-              <a:t>International Business Machines Corporation</a:t>
+              <a:t>Ebay</a:t>
             </a:r>
           </a:p>
         </p:txBody>
@@ -6718,8 +7051,8 @@
         </p:blipFill>
         <p:spPr>
           <a:xfrm>
-            <a:off x="2097474" y="1165350"/>
-            <a:ext cx="4949050" cy="3727850"/>
+            <a:off x="1847753" y="1144125"/>
+            <a:ext cx="5448477" cy="3653674"/>
           </a:xfrm>
           <a:prstGeom prst="rect">
             <a:avLst/>
@@ -6730,6 +7063,350 @@
           </a:ln>
         </p:spPr>
       </p:pic>
+    </p:spTree>
+  </p:cSld>
+  <p:clrMapOvr>
+    <a:masterClrMapping/>
+  </p:clrMapOvr>
+</p:sld>
+</file>
+
+<file path=ppt/slides/slide16.xml><?xml version="1.0" encoding="utf-8"?>
+<p:sld xmlns:a="http://schemas.openxmlformats.org/drawingml/2006/main" xmlns:r="http://schemas.openxmlformats.org/officeDocument/2006/relationships" xmlns:mc="http://schemas.openxmlformats.org/markup-compatibility/2006" xmlns:mv="urn:schemas-microsoft-com:mac:vml" xmlns:p="http://schemas.openxmlformats.org/presentationml/2006/main" xmlns:c="http://schemas.openxmlformats.org/drawingml/2006/chart" xmlns:dgm="http://schemas.openxmlformats.org/drawingml/2006/diagram" xmlns:o="urn:schemas-microsoft-com:office:office" xmlns:v="urn:schemas-microsoft-com:vml" xmlns:pvml="urn:schemas-microsoft-com:office:powerpoint" xmlns:com="http://schemas.openxmlformats.org/drawingml/2006/compatibility" xmlns:p14="http://schemas.microsoft.com/office/powerpoint/2010/main" xmlns:p15="http://schemas.microsoft.com/office/powerpoint/2012/main">
+  <p:cSld>
+    <p:spTree>
+      <p:nvGrpSpPr>
+        <p:cNvPr id="165" name="Shape 165"/>
+        <p:cNvGrpSpPr/>
+        <p:nvPr/>
+      </p:nvGrpSpPr>
+      <p:grpSpPr>
+        <a:xfrm>
+          <a:off x="0" y="0"/>
+          <a:ext cx="0" cy="0"/>
+          <a:chOff x="0" y="0"/>
+          <a:chExt cx="0" cy="0"/>
+        </a:xfrm>
+      </p:grpSpPr>
+      <p:sp>
+        <p:nvSpPr>
+          <p:cNvPr id="166" name="Shape 166"/>
+          <p:cNvSpPr txBox="1"/>
+          <p:nvPr>
+            <p:ph type="title"/>
+          </p:nvPr>
+        </p:nvSpPr>
+        <p:spPr>
+          <a:xfrm>
+            <a:off x="387900" y="458025"/>
+            <a:ext cx="8368200" cy="686100"/>
+          </a:xfrm>
+          <a:prstGeom prst="rect">
+            <a:avLst/>
+          </a:prstGeom>
+        </p:spPr>
+        <p:txBody>
+          <a:bodyPr anchorCtr="0" anchor="b" bIns="91425" lIns="91425" rIns="91425" wrap="square" tIns="91425">
+            <a:noAutofit/>
+          </a:bodyPr>
+          <a:lstStyle/>
+          <a:p>
+            <a:pPr indent="0" lvl="0" marL="0">
+              <a:spcBef>
+                <a:spcPts val="0"/>
+              </a:spcBef>
+              <a:buNone/>
+            </a:pPr>
+            <a:r>
+              <a:rPr lang="en"/>
+              <a:t>International Business Machines Corporation</a:t>
+            </a:r>
+          </a:p>
+        </p:txBody>
+      </p:sp>
+      <p:pic>
+        <p:nvPicPr>
+          <p:cNvPr id="167" name="Shape 167"/>
+          <p:cNvPicPr preferRelativeResize="0"/>
+          <p:nvPr/>
+        </p:nvPicPr>
+        <p:blipFill>
+          <a:blip r:embed="rId3">
+            <a:alphaModFix/>
+          </a:blip>
+          <a:stretch>
+            <a:fillRect/>
+          </a:stretch>
+        </p:blipFill>
+        <p:spPr>
+          <a:xfrm>
+            <a:off x="2097474" y="1165350"/>
+            <a:ext cx="4949050" cy="3727850"/>
+          </a:xfrm>
+          <a:prstGeom prst="rect">
+            <a:avLst/>
+          </a:prstGeom>
+          <a:noFill/>
+          <a:ln>
+            <a:noFill/>
+          </a:ln>
+        </p:spPr>
+      </p:pic>
+    </p:spTree>
+  </p:cSld>
+  <p:clrMapOvr>
+    <a:masterClrMapping/>
+  </p:clrMapOvr>
+</p:sld>
+</file>
+
+<file path=ppt/slides/slide17.xml><?xml version="1.0" encoding="utf-8"?>
+<p:sld xmlns:a="http://schemas.openxmlformats.org/drawingml/2006/main" xmlns:r="http://schemas.openxmlformats.org/officeDocument/2006/relationships" xmlns:mc="http://schemas.openxmlformats.org/markup-compatibility/2006" xmlns:mv="urn:schemas-microsoft-com:mac:vml" xmlns:p="http://schemas.openxmlformats.org/presentationml/2006/main" xmlns:c="http://schemas.openxmlformats.org/drawingml/2006/chart" xmlns:dgm="http://schemas.openxmlformats.org/drawingml/2006/diagram" xmlns:o="urn:schemas-microsoft-com:office:office" xmlns:v="urn:schemas-microsoft-com:vml" xmlns:pvml="urn:schemas-microsoft-com:office:powerpoint" xmlns:com="http://schemas.openxmlformats.org/drawingml/2006/compatibility" xmlns:p14="http://schemas.microsoft.com/office/powerpoint/2010/main" xmlns:p15="http://schemas.microsoft.com/office/powerpoint/2012/main">
+  <p:cSld>
+    <p:spTree>
+      <p:nvGrpSpPr>
+        <p:cNvPr id="171" name="Shape 171"/>
+        <p:cNvGrpSpPr/>
+        <p:nvPr/>
+      </p:nvGrpSpPr>
+      <p:grpSpPr>
+        <a:xfrm>
+          <a:off x="0" y="0"/>
+          <a:ext cx="0" cy="0"/>
+          <a:chOff x="0" y="0"/>
+          <a:chExt cx="0" cy="0"/>
+        </a:xfrm>
+      </p:grpSpPr>
+      <p:sp>
+        <p:nvSpPr>
+          <p:cNvPr id="172" name="Shape 172"/>
+          <p:cNvSpPr txBox="1"/>
+          <p:nvPr>
+            <p:ph type="title"/>
+          </p:nvPr>
+        </p:nvSpPr>
+        <p:spPr>
+          <a:xfrm>
+            <a:off x="387900" y="458025"/>
+            <a:ext cx="8368200" cy="686100"/>
+          </a:xfrm>
+          <a:prstGeom prst="rect">
+            <a:avLst/>
+          </a:prstGeom>
+        </p:spPr>
+        <p:txBody>
+          <a:bodyPr anchorCtr="0" anchor="b" bIns="91425" lIns="91425" rIns="91425" wrap="square" tIns="91425">
+            <a:noAutofit/>
+          </a:bodyPr>
+          <a:lstStyle/>
+          <a:p>
+            <a:pPr indent="0" lvl="0" marL="0">
+              <a:spcBef>
+                <a:spcPts val="0"/>
+              </a:spcBef>
+              <a:buNone/>
+            </a:pPr>
+            <a:r>
+              <a:rPr lang="en"/>
+              <a:t>Reference	</a:t>
+            </a:r>
+          </a:p>
+        </p:txBody>
+      </p:sp>
+      <p:sp>
+        <p:nvSpPr>
+          <p:cNvPr id="173" name="Shape 173"/>
+          <p:cNvSpPr txBox="1"/>
+          <p:nvPr>
+            <p:ph idx="1" type="body"/>
+          </p:nvPr>
+        </p:nvSpPr>
+        <p:spPr>
+          <a:xfrm>
+            <a:off x="387900" y="1489824"/>
+            <a:ext cx="8368200" cy="3078900"/>
+          </a:xfrm>
+          <a:prstGeom prst="rect">
+            <a:avLst/>
+          </a:prstGeom>
+        </p:spPr>
+        <p:txBody>
+          <a:bodyPr anchorCtr="0" anchor="t" bIns="91425" lIns="91425" rIns="91425" wrap="square" tIns="91425">
+            <a:noAutofit/>
+          </a:bodyPr>
+          <a:lstStyle/>
+          <a:p>
+            <a:pPr indent="-342900" lvl="0" marL="457200" rtl="0">
+              <a:spcBef>
+                <a:spcPts val="0"/>
+              </a:spcBef>
+              <a:spcAft>
+                <a:spcPts val="0"/>
+              </a:spcAft>
+              <a:buSzPts val="1800"/>
+              <a:buChar char="●"/>
+            </a:pPr>
+            <a:r>
+              <a:rPr lang="en"/>
+              <a:t>Stock Price Prediction (Time-Series Forecasting) using Apache Spark</a:t>
+            </a:r>
+          </a:p>
+          <a:p>
+            <a:pPr indent="-342900" lvl="0" marL="457200" rtl="0">
+              <a:spcBef>
+                <a:spcPts val="0"/>
+              </a:spcBef>
+              <a:spcAft>
+                <a:spcPts val="0"/>
+              </a:spcAft>
+              <a:buSzPts val="1800"/>
+              <a:buChar char="●"/>
+            </a:pPr>
+            <a:r>
+              <a:rPr lang="en"/>
+              <a:t>http://www.technippet.com/2017/01/stock-price-prediction-time-series.html</a:t>
+            </a:r>
+          </a:p>
+          <a:p>
+            <a:pPr indent="-342900" lvl="0" marL="457200" rtl="0">
+              <a:spcBef>
+                <a:spcPts val="0"/>
+              </a:spcBef>
+              <a:spcAft>
+                <a:spcPts val="0"/>
+              </a:spcAft>
+              <a:buSzPts val="1800"/>
+              <a:buChar char="●"/>
+            </a:pPr>
+            <a:r>
+              <a:rPr lang="en"/>
+              <a:t>Plain Stock Close-Price Prediction via LSTM</a:t>
+            </a:r>
+          </a:p>
+          <a:p>
+            <a:pPr indent="-342900" lvl="0" marL="457200" rtl="0">
+              <a:spcBef>
+                <a:spcPts val="0"/>
+              </a:spcBef>
+              <a:buSzPts val="1800"/>
+              <a:buChar char="●"/>
+            </a:pPr>
+            <a:r>
+              <a:rPr lang="en"/>
+              <a:t>https://isaacchanghau.github.io/2017/07/26/Plain-Stock-Close-Price-Prediction-via-LSTM-Initial-Exploration/</a:t>
+            </a:r>
+          </a:p>
+          <a:p>
+            <a:pPr indent="0" lvl="0" marL="0">
+              <a:spcBef>
+                <a:spcPts val="0"/>
+              </a:spcBef>
+              <a:buNone/>
+            </a:pPr>
+            <a:r>
+              <a:t/>
+            </a:r>
+            <a:endParaRPr/>
+          </a:p>
+        </p:txBody>
+      </p:sp>
+    </p:spTree>
+  </p:cSld>
+  <p:clrMapOvr>
+    <a:masterClrMapping/>
+  </p:clrMapOvr>
+</p:sld>
+</file>
+
+<file path=ppt/slides/slide18.xml><?xml version="1.0" encoding="utf-8"?>
+<p:sld xmlns:a="http://schemas.openxmlformats.org/drawingml/2006/main" xmlns:r="http://schemas.openxmlformats.org/officeDocument/2006/relationships" xmlns:mc="http://schemas.openxmlformats.org/markup-compatibility/2006" xmlns:mv="urn:schemas-microsoft-com:mac:vml" xmlns:p="http://schemas.openxmlformats.org/presentationml/2006/main" xmlns:c="http://schemas.openxmlformats.org/drawingml/2006/chart" xmlns:dgm="http://schemas.openxmlformats.org/drawingml/2006/diagram" xmlns:o="urn:schemas-microsoft-com:office:office" xmlns:v="urn:schemas-microsoft-com:vml" xmlns:pvml="urn:schemas-microsoft-com:office:powerpoint" xmlns:com="http://schemas.openxmlformats.org/drawingml/2006/compatibility" xmlns:p14="http://schemas.microsoft.com/office/powerpoint/2010/main" xmlns:p15="http://schemas.microsoft.com/office/powerpoint/2012/main">
+  <p:cSld>
+    <p:spTree>
+      <p:nvGrpSpPr>
+        <p:cNvPr id="177" name="Shape 177"/>
+        <p:cNvGrpSpPr/>
+        <p:nvPr/>
+      </p:nvGrpSpPr>
+      <p:grpSpPr>
+        <a:xfrm>
+          <a:off x="0" y="0"/>
+          <a:ext cx="0" cy="0"/>
+          <a:chOff x="0" y="0"/>
+          <a:chExt cx="0" cy="0"/>
+        </a:xfrm>
+      </p:grpSpPr>
+      <p:sp>
+        <p:nvSpPr>
+          <p:cNvPr id="178" name="Shape 178"/>
+          <p:cNvSpPr txBox="1"/>
+          <p:nvPr>
+            <p:ph type="title"/>
+          </p:nvPr>
+        </p:nvSpPr>
+        <p:spPr>
+          <a:xfrm>
+            <a:off x="480750" y="1764950"/>
+            <a:ext cx="8222100" cy="907500"/>
+          </a:xfrm>
+          <a:prstGeom prst="rect">
+            <a:avLst/>
+          </a:prstGeom>
+        </p:spPr>
+        <p:txBody>
+          <a:bodyPr anchorCtr="0" anchor="b" bIns="91425" lIns="91425" rIns="91425" wrap="square" tIns="91425">
+            <a:noAutofit/>
+          </a:bodyPr>
+          <a:lstStyle/>
+          <a:p>
+            <a:pPr indent="0" lvl="0" marL="0" rtl="0">
+              <a:spcBef>
+                <a:spcPts val="0"/>
+              </a:spcBef>
+              <a:buNone/>
+            </a:pPr>
+            <a:r>
+              <a:rPr lang="en" sz="3600"/>
+              <a:t>Q &amp; A</a:t>
+            </a:r>
+          </a:p>
+        </p:txBody>
+      </p:sp>
+      <p:sp>
+        <p:nvSpPr>
+          <p:cNvPr id="179" name="Shape 179"/>
+          <p:cNvSpPr txBox="1"/>
+          <p:nvPr>
+            <p:ph idx="4294967295" type="body"/>
+          </p:nvPr>
+        </p:nvSpPr>
+        <p:spPr>
+          <a:xfrm>
+            <a:off x="3436325" y="3105825"/>
+            <a:ext cx="4023000" cy="1186500"/>
+          </a:xfrm>
+          <a:prstGeom prst="rect">
+            <a:avLst/>
+          </a:prstGeom>
+        </p:spPr>
+        <p:txBody>
+          <a:bodyPr anchorCtr="0" anchor="t" bIns="91425" lIns="91425" rIns="91425" wrap="square" tIns="91425">
+            <a:noAutofit/>
+          </a:bodyPr>
+          <a:lstStyle/>
+          <a:p>
+            <a:pPr indent="0" lvl="0" marL="0" rtl="0">
+              <a:spcBef>
+                <a:spcPts val="0"/>
+              </a:spcBef>
+              <a:buNone/>
+            </a:pPr>
+            <a:r>
+              <a:rPr lang="en" sz="3600"/>
+              <a:t>Thank you !</a:t>
+            </a:r>
+          </a:p>
+        </p:txBody>
+      </p:sp>
     </p:spTree>
   </p:cSld>
   <p:clrMapOvr>
